--- a/Automationdashboard/MAIN_FOLDER/Automation_Dashboard_Batterywise/V2/D12_03_2024/B4_B02_16.59_18.03/analysis_B4_B02_16.59_18.03.pptx
+++ b/Automationdashboard/MAIN_FOLDER/Automation_Dashboard_Batterywise/V2/D12_03_2024/B4_B02_16.59_18.03/analysis_B4_B02_16.59_18.03.pptx
@@ -3376,6 +3376,32 @@
                     <a:lstStyle/>
                     <a:p>
                       <a:r>
+                        <a:t>99.0</a:t>
+                      </a:r>
+                    </a:p>
+                  </a:txBody>
+                  <a:tcPr/>
+                </a:tc>
+              </a:tr>
+              <a:tr h="326571">
+                <a:tc>
+                  <a:txBody>
+                    <a:bodyPr/>
+                    <a:lstStyle/>
+                    <a:p>
+                      <a:r>
+                        <a:t>Ending SoC (%)</a:t>
+                      </a:r>
+                    </a:p>
+                  </a:txBody>
+                  <a:tcPr/>
+                </a:tc>
+                <a:tc>
+                  <a:txBody>
+                    <a:bodyPr/>
+                    <a:lstStyle/>
+                    <a:p>
+                      <a:r>
                         <a:t>31.0</a:t>
                       </a:r>
                     </a:p>
@@ -3390,19 +3416,19 @@
                     <a:lstStyle/>
                     <a:p>
                       <a:r>
-                        <a:t>Ending SoC (%)</a:t>
-                      </a:r>
-                    </a:p>
-                  </a:txBody>
-                  <a:tcPr/>
-                </a:tc>
-                <a:tc>
-                  <a:txBody>
-                    <a:bodyPr/>
-                    <a:lstStyle/>
-                    <a:p>
-                      <a:r>
-                        <a:t>99.0</a:t>
+                        <a:t>Total distance covered (km)</a:t>
+                      </a:r>
+                    </a:p>
+                  </a:txBody>
+                  <a:tcPr/>
+                </a:tc>
+                <a:tc>
+                  <a:txBody>
+                    <a:bodyPr/>
+                    <a:lstStyle/>
+                    <a:p>
+                      <a:r>
+                        <a:t>30.988486215027667</a:t>
                       </a:r>
                     </a:p>
                   </a:txBody>
@@ -3416,19 +3442,19 @@
                     <a:lstStyle/>
                     <a:p>
                       <a:r>
-                        <a:t>Total distance covered (in kilometers)</a:t>
-                      </a:r>
-                    </a:p>
-                  </a:txBody>
-                  <a:tcPr/>
-                </a:tc>
-                <a:tc>
-                  <a:txBody>
-                    <a:bodyPr/>
-                    <a:lstStyle/>
-                    <a:p>
-                      <a:r>
-                        <a:t>30.988486215027667</a:t>
+                        <a:t>Total energy consumption(WH/KM)</a:t>
+                      </a:r>
+                    </a:p>
+                  </a:txBody>
+                  <a:tcPr/>
+                </a:tc>
+                <a:tc>
+                  <a:txBody>
+                    <a:bodyPr/>
+                    <a:lstStyle/>
+                    <a:p>
+                      <a:r>
+                        <a:t>45.283573151662814</a:t>
                       </a:r>
                     </a:p>
                   </a:txBody>
@@ -3442,19 +3468,19 @@
                     <a:lstStyle/>
                     <a:p>
                       <a:r>
-                        <a:t>WH/KM</a:t>
-                      </a:r>
-                    </a:p>
-                  </a:txBody>
-                  <a:tcPr/>
-                </a:tc>
-                <a:tc>
-                  <a:txBody>
-                    <a:bodyPr/>
-                    <a:lstStyle/>
-                    <a:p>
-                      <a:r>
-                        <a:t>45.283573151662814</a:t>
+                        <a:t>Total SOC consumed(%)</a:t>
+                      </a:r>
+                    </a:p>
+                  </a:txBody>
+                  <a:tcPr/>
+                </a:tc>
+                <a:tc>
+                  <a:txBody>
+                    <a:bodyPr/>
+                    <a:lstStyle/>
+                    <a:p>
+                      <a:r>
+                        <a:t>68.0</a:t>
                       </a:r>
                     </a:p>
                   </a:txBody>
@@ -3468,19 +3494,34 @@
                     <a:lstStyle/>
                     <a:p>
                       <a:r>
-                        <a:t>Total SOC consumed</a:t>
-                      </a:r>
-                    </a:p>
-                  </a:txBody>
-                  <a:tcPr/>
-                </a:tc>
-                <a:tc>
-                  <a:txBody>
-                    <a:bodyPr/>
-                    <a:lstStyle/>
-                    <a:p>
-                      <a:r>
-                        <a:t>68.0</a:t>
+                        <a:t>Mode</a:t>
+                      </a:r>
+                    </a:p>
+                  </a:txBody>
+                  <a:tcPr/>
+                </a:tc>
+                <a:tc>
+                  <a:txBody>
+                    <a:bodyPr/>
+                    <a:lstStyle/>
+                    <a:p>
+                      <a:r>
+                        <a:t>Custom mode</a:t>
+                      </a:r>
+                    </a:p>
+                    <a:p>
+                      <a:r>
+                        <a:t>97.62%</a:t>
+                      </a:r>
+                    </a:p>
+                    <a:p>
+                      <a:r>
+                        <a:t>Eco mode</a:t>
+                      </a:r>
+                    </a:p>
+                    <a:p>
+                      <a:r>
+                        <a:t>0.11%</a:t>
                       </a:r>
                     </a:p>
                   </a:txBody>
@@ -3494,48 +3535,7 @@
                     <a:lstStyle/>
                     <a:p>
                       <a:r>
-                        <a:t>Mode</a:t>
-                      </a:r>
-                    </a:p>
-                  </a:txBody>
-                  <a:tcPr/>
-                </a:tc>
-                <a:tc>
-                  <a:txBody>
-                    <a:bodyPr/>
-                    <a:lstStyle/>
-                    <a:p>
-                      <a:r>
-                        <a:t>Custom mode</a:t>
-                      </a:r>
-                    </a:p>
-                    <a:p>
-                      <a:r>
-                        <a:t>97.62%</a:t>
-                      </a:r>
-                    </a:p>
-                    <a:p>
-                      <a:r>
-                        <a:t>Eco mode</a:t>
-                      </a:r>
-                    </a:p>
-                    <a:p>
-                      <a:r>
-                        <a:t>0.11%</a:t>
-                      </a:r>
-                    </a:p>
-                  </a:txBody>
-                  <a:tcPr/>
-                </a:tc>
-              </a:tr>
-              <a:tr h="326571">
-                <a:tc>
-                  <a:txBody>
-                    <a:bodyPr/>
-                    <a:lstStyle/>
-                    <a:p>
-                      <a:r>
-                        <a:t>Peak Power</a:t>
+                        <a:t>Peak Power(kW)</a:t>
                       </a:r>
                     </a:p>
                   </a:txBody>
@@ -3561,7 +3561,7 @@
                     <a:lstStyle/>
                     <a:p>
                       <a:r>
-                        <a:t>Average Power</a:t>
+                        <a:t>Average Power(kW)</a:t>
                       </a:r>
                     </a:p>
                   </a:txBody>
@@ -3678,7 +3678,7 @@
                     <a:lstStyle/>
                     <a:p>
                       <a:r>
-                        <a:t>Total Energy Regenerated</a:t>
+                        <a:t>Total Energy Regenerated(kWh)</a:t>
                       </a:r>
                     </a:p>
                   </a:txBody>
@@ -3704,19 +3704,19 @@
                     <a:lstStyle/>
                     <a:p>
                       <a:r>
-                        <a:t>Regenerative Effectiveness</a:t>
-                      </a:r>
-                    </a:p>
-                  </a:txBody>
-                  <a:tcPr/>
-                </a:tc>
-                <a:tc>
-                  <a:txBody>
-                    <a:bodyPr/>
-                    <a:lstStyle/>
-                    <a:p>
-                      <a:r>
-                        <a:t>-0.0007617329881871818</a:t>
+                        <a:t>Regenerative Effectiveness(%)</a:t>
+                      </a:r>
+                    </a:p>
+                  </a:txBody>
+                  <a:tcPr/>
+                </a:tc>
+                <a:tc>
+                  <a:txBody>
+                    <a:bodyPr/>
+                    <a:lstStyle/>
+                    <a:p>
+                      <a:r>
+                        <a:t>0.0007617329881871818</a:t>
                       </a:r>
                     </a:p>
                   </a:txBody>
@@ -3730,7 +3730,33 @@
                     <a:lstStyle/>
                     <a:p>
                       <a:r>
-                        <a:t>Lowest Cell Voltage</a:t>
+                        <a:t>Highest Cell Voltage(V)</a:t>
+                      </a:r>
+                    </a:p>
+                  </a:txBody>
+                  <a:tcPr/>
+                </a:tc>
+                <a:tc>
+                  <a:txBody>
+                    <a:bodyPr/>
+                    <a:lstStyle/>
+                    <a:p>
+                      <a:r>
+                        <a:t>3.436</a:t>
+                      </a:r>
+                    </a:p>
+                  </a:txBody>
+                  <a:tcPr/>
+                </a:tc>
+              </a:tr>
+              <a:tr h="326571">
+                <a:tc>
+                  <a:txBody>
+                    <a:bodyPr/>
+                    <a:lstStyle/>
+                    <a:p>
+                      <a:r>
+                        <a:t>Lowest Cell Voltage(V)</a:t>
                       </a:r>
                     </a:p>
                   </a:txBody>
@@ -3756,19 +3782,19 @@
                     <a:lstStyle/>
                     <a:p>
                       <a:r>
-                        <a:t>Highest Cell Voltage</a:t>
-                      </a:r>
-                    </a:p>
-                  </a:txBody>
-                  <a:tcPr/>
-                </a:tc>
-                <a:tc>
-                  <a:txBody>
-                    <a:bodyPr/>
-                    <a:lstStyle/>
-                    <a:p>
-                      <a:r>
-                        <a:t>3.436</a:t>
+                        <a:t>Difference in Cell Voltage(V)</a:t>
+                      </a:r>
+                    </a:p>
+                  </a:txBody>
+                  <a:tcPr/>
+                </a:tc>
+                <a:tc>
+                  <a:txBody>
+                    <a:bodyPr/>
+                    <a:lstStyle/>
+                    <a:p>
+                      <a:r>
+                        <a:t>0.34099999999999975</a:t>
                       </a:r>
                     </a:p>
                   </a:txBody>
@@ -3782,19 +3808,19 @@
                     <a:lstStyle/>
                     <a:p>
                       <a:r>
-                        <a:t>Difference in Cell Voltage</a:t>
-                      </a:r>
-                    </a:p>
-                  </a:txBody>
-                  <a:tcPr/>
-                </a:tc>
-                <a:tc>
-                  <a:txBody>
-                    <a:bodyPr/>
-                    <a:lstStyle/>
-                    <a:p>
-                      <a:r>
-                        <a:t>0.34099999999999975</a:t>
+                        <a:t>Minimum Temperature(C)</a:t>
+                      </a:r>
+                    </a:p>
+                  </a:txBody>
+                  <a:tcPr/>
+                </a:tc>
+                <a:tc>
+                  <a:txBody>
+                    <a:bodyPr/>
+                    <a:lstStyle/>
+                    <a:p>
+                      <a:r>
+                        <a:t>38.0</a:t>
                       </a:r>
                     </a:p>
                   </a:txBody>
@@ -3808,19 +3834,19 @@
                     <a:lstStyle/>
                     <a:p>
                       <a:r>
-                        <a:t>Minimum Temperature</a:t>
-                      </a:r>
-                    </a:p>
-                  </a:txBody>
-                  <a:tcPr/>
-                </a:tc>
-                <a:tc>
-                  <a:txBody>
-                    <a:bodyPr/>
-                    <a:lstStyle/>
-                    <a:p>
-                      <a:r>
-                        <a:t>38.0</a:t>
+                        <a:t>Maximum Temperature(C)</a:t>
+                      </a:r>
+                    </a:p>
+                  </a:txBody>
+                  <a:tcPr/>
+                </a:tc>
+                <a:tc>
+                  <a:txBody>
+                    <a:bodyPr/>
+                    <a:lstStyle/>
+                    <a:p>
+                      <a:r>
+                        <a:t>44.0</a:t>
                       </a:r>
                     </a:p>
                   </a:txBody>
@@ -3834,19 +3860,19 @@
                     <a:lstStyle/>
                     <a:p>
                       <a:r>
-                        <a:t>Maximum Temperature</a:t>
-                      </a:r>
-                    </a:p>
-                  </a:txBody>
-                  <a:tcPr/>
-                </a:tc>
-                <a:tc>
-                  <a:txBody>
-                    <a:bodyPr/>
-                    <a:lstStyle/>
-                    <a:p>
-                      <a:r>
-                        <a:t>44.0</a:t>
+                        <a:t>Difference in Temperature(C)</a:t>
+                      </a:r>
+                    </a:p>
+                  </a:txBody>
+                  <a:tcPr/>
+                </a:tc>
+                <a:tc>
+                  <a:txBody>
+                    <a:bodyPr/>
+                    <a:lstStyle/>
+                    <a:p>
+                      <a:r>
+                        <a:t>6.0</a:t>
                       </a:r>
                     </a:p>
                   </a:txBody>
@@ -3860,19 +3886,19 @@
                     <a:lstStyle/>
                     <a:p>
                       <a:r>
-                        <a:t>Difference in Temperature</a:t>
-                      </a:r>
-                    </a:p>
-                  </a:txBody>
-                  <a:tcPr/>
-                </a:tc>
-                <a:tc>
-                  <a:txBody>
-                    <a:bodyPr/>
-                    <a:lstStyle/>
-                    <a:p>
-                      <a:r>
-                        <a:t>nan</a:t>
+                        <a:t>Maximum Fet Temperature-BMS(C)</a:t>
+                      </a:r>
+                    </a:p>
+                  </a:txBody>
+                  <a:tcPr/>
+                </a:tc>
+                <a:tc>
+                  <a:txBody>
+                    <a:bodyPr/>
+                    <a:lstStyle/>
+                    <a:p>
+                      <a:r>
+                        <a:t>58.0</a:t>
                       </a:r>
                     </a:p>
                   </a:txBody>
@@ -3886,19 +3912,19 @@
                     <a:lstStyle/>
                     <a:p>
                       <a:r>
-                        <a:t>Maximum Fet Temperature</a:t>
-                      </a:r>
-                    </a:p>
-                  </a:txBody>
-                  <a:tcPr/>
-                </a:tc>
-                <a:tc>
-                  <a:txBody>
-                    <a:bodyPr/>
-                    <a:lstStyle/>
-                    <a:p>
-                      <a:r>
-                        <a:t>58.0</a:t>
+                        <a:t>Maximum Afe Temperature-BMS(C)</a:t>
+                      </a:r>
+                    </a:p>
+                  </a:txBody>
+                  <a:tcPr/>
+                </a:tc>
+                <a:tc>
+                  <a:txBody>
+                    <a:bodyPr/>
+                    <a:lstStyle/>
+                    <a:p>
+                      <a:r>
+                        <a:t>59.0</a:t>
                       </a:r>
                     </a:p>
                   </a:txBody>
@@ -3912,19 +3938,19 @@
                     <a:lstStyle/>
                     <a:p>
                       <a:r>
-                        <a:t>Maximum Afe Temperature</a:t>
-                      </a:r>
-                    </a:p>
-                  </a:txBody>
-                  <a:tcPr/>
-                </a:tc>
-                <a:tc>
-                  <a:txBody>
-                    <a:bodyPr/>
-                    <a:lstStyle/>
-                    <a:p>
-                      <a:r>
-                        <a:t>59.0</a:t>
+                        <a:t>Maximum PCB Temperature-BMS(C)</a:t>
+                      </a:r>
+                    </a:p>
+                  </a:txBody>
+                  <a:tcPr/>
+                </a:tc>
+                <a:tc>
+                  <a:txBody>
+                    <a:bodyPr/>
+                    <a:lstStyle/>
+                    <a:p>
+                      <a:r>
+                        <a:t>56.0</a:t>
                       </a:r>
                     </a:p>
                   </a:txBody>
@@ -3938,33 +3964,7 @@
                     <a:lstStyle/>
                     <a:p>
                       <a:r>
-                        <a:t>Maximum PCB Temperature</a:t>
-                      </a:r>
-                    </a:p>
-                  </a:txBody>
-                  <a:tcPr/>
-                </a:tc>
-                <a:tc>
-                  <a:txBody>
-                    <a:bodyPr/>
-                    <a:lstStyle/>
-                    <a:p>
-                      <a:r>
-                        <a:t>56.0</a:t>
-                      </a:r>
-                    </a:p>
-                  </a:txBody>
-                  <a:tcPr/>
-                </a:tc>
-              </a:tr>
-              <a:tr h="326571">
-                <a:tc>
-                  <a:txBody>
-                    <a:bodyPr/>
-                    <a:lstStyle/>
-                    <a:p>
-                      <a:r>
-                        <a:t>Maximum MCU Temperature</a:t>
+                        <a:t>Maximum MCU Temperature(C)</a:t>
                       </a:r>
                     </a:p>
                   </a:txBody>
@@ -3990,7 +3990,7 @@
                     <a:lstStyle/>
                     <a:p>
                       <a:r>
-                        <a:t>Maximum Motor Temperature</a:t>
+                        <a:t>Maximum Motor Temperature(C)</a:t>
                       </a:r>
                     </a:p>
                   </a:txBody>
@@ -4107,7 +4107,7 @@
                     <a:lstStyle/>
                     <a:p>
                       <a:r>
-                        <a:t>Abnormal Motor Temperature Detected</a:t>
+                        <a:t>Abnormal Motor Temperature Detected(C)</a:t>
                       </a:r>
                     </a:p>
                   </a:txBody>
@@ -4133,7 +4133,7 @@
                     <a:lstStyle/>
                     <a:p>
                       <a:r>
-                        <a:t>lowest cell temp</a:t>
+                        <a:t>highest cell temp(C)</a:t>
                       </a:r>
                     </a:p>
                   </a:txBody>
@@ -4159,7 +4159,7 @@
                     <a:lstStyle/>
                     <a:p>
                       <a:r>
-                        <a:t>highest cell temp</a:t>
+                        <a:t>lowest cell temp(C)</a:t>
                       </a:r>
                     </a:p>
                   </a:txBody>
@@ -4185,7 +4185,7 @@
                     <a:lstStyle/>
                     <a:p>
                       <a:r>
-                        <a:t>Difference between Highest and Lowest Cell Temperature at 100% SOC</a:t>
+                        <a:t>Difference between Highest and Lowest Cell Temperature at 100% SOC(C)</a:t>
                       </a:r>
                     </a:p>
                   </a:txBody>
@@ -4211,19 +4211,19 @@
                     <a:lstStyle/>
                     <a:p>
                       <a:r>
-                        <a:t>Maximum BMS Temperature in C</a:t>
-                      </a:r>
-                    </a:p>
-                  </a:txBody>
-                  <a:tcPr/>
-                </a:tc>
-                <a:tc>
-                  <a:txBody>
-                    <a:bodyPr/>
-                    <a:lstStyle/>
-                    <a:p>
-                      <a:r>
-                        <a:t>58.0</a:t>
+                        <a:t>Battery Voltage(V)</a:t>
+                      </a:r>
+                    </a:p>
+                  </a:txBody>
+                  <a:tcPr/>
+                </a:tc>
+                <a:tc>
+                  <a:txBody>
+                    <a:bodyPr/>
+                    <a:lstStyle/>
+                    <a:p>
+                      <a:r>
+                        <a:t>54.0</a:t>
                       </a:r>
                     </a:p>
                   </a:txBody>
@@ -4237,19 +4237,19 @@
                     <a:lstStyle/>
                     <a:p>
                       <a:r>
-                        <a:t>Battery Voltage</a:t>
-                      </a:r>
-                    </a:p>
-                  </a:txBody>
-                  <a:tcPr/>
-                </a:tc>
-                <a:tc>
-                  <a:txBody>
-                    <a:bodyPr/>
-                    <a:lstStyle/>
-                    <a:p>
-                      <a:r>
-                        <a:t>5.4</a:t>
+                        <a:t>Total energy charged(kWh)</a:t>
+                      </a:r>
+                    </a:p>
+                  </a:txBody>
+                  <a:tcPr/>
+                </a:tc>
+                <a:tc>
+                  <a:txBody>
+                    <a:bodyPr/>
+                    <a:lstStyle/>
+                    <a:p>
+                      <a:r>
+                        <a:t>1.47333471</a:t>
                       </a:r>
                     </a:p>
                   </a:txBody>
@@ -4263,19 +4263,19 @@
                     <a:lstStyle/>
                     <a:p>
                       <a:r>
-                        <a:t>Total energy charged in kWh</a:t>
-                      </a:r>
-                    </a:p>
-                  </a:txBody>
-                  <a:tcPr/>
-                </a:tc>
-                <a:tc>
-                  <a:txBody>
-                    <a:bodyPr/>
-                    <a:lstStyle/>
-                    <a:p>
-                      <a:r>
-                        <a:t>0.147333471</a:t>
+                        <a:t>Electricity consumption units(kW)</a:t>
+                      </a:r>
+                    </a:p>
+                  </a:txBody>
+                  <a:tcPr/>
+                </a:tc>
+                <a:tc>
+                  <a:txBody>
+                    <a:bodyPr/>
+                    <a:lstStyle/>
+                    <a:p>
+                      <a:r>
+                        <a:t>1.0699598474945533e-07</a:t>
                       </a:r>
                     </a:p>
                   </a:txBody>
@@ -4289,19 +4289,19 @@
                     <a:lstStyle/>
                     <a:p>
                       <a:r>
-                        <a:t>Electricity consumption units in kW</a:t>
-                      </a:r>
-                    </a:p>
-                  </a:txBody>
-                  <a:tcPr/>
-                </a:tc>
-                <a:tc>
-                  <a:txBody>
-                    <a:bodyPr/>
-                    <a:lstStyle/>
-                    <a:p>
-                      <a:r>
-                        <a:t>1.0699598474945532e-08</a:t>
+                        <a:t>Idling time percentage</a:t>
+                      </a:r>
+                    </a:p>
+                  </a:txBody>
+                  <a:tcPr/>
+                </a:tc>
+                <a:tc>
+                  <a:txBody>
+                    <a:bodyPr/>
+                    <a:lstStyle/>
+                    <a:p>
+                      <a:r>
+                        <a:t>2.50272034820457</a:t>
                       </a:r>
                     </a:p>
                   </a:txBody>
@@ -4315,19 +4315,19 @@
                     <a:lstStyle/>
                     <a:p>
                       <a:r>
-                        <a:t>Idling time percentage</a:t>
-                      </a:r>
-                    </a:p>
-                  </a:txBody>
-                  <a:tcPr/>
-                </a:tc>
-                <a:tc>
-                  <a:txBody>
-                    <a:bodyPr/>
-                    <a:lstStyle/>
-                    <a:p>
-                      <a:r>
-                        <a:t>1.4031269686730428</a:t>
+                        <a:t>Time spent in 0-10 km/h</a:t>
+                      </a:r>
+                    </a:p>
+                  </a:txBody>
+                  <a:tcPr/>
+                </a:tc>
+                <a:tc>
+                  <a:txBody>
+                    <a:bodyPr/>
+                    <a:lstStyle/>
+                    <a:p>
+                      <a:r>
+                        <a:t>24.199644922971192</a:t>
                       </a:r>
                     </a:p>
                   </a:txBody>
@@ -4341,19 +4341,19 @@
                     <a:lstStyle/>
                     <a:p>
                       <a:r>
-                        <a:t>Time spent in 0-10 km/h</a:t>
-                      </a:r>
-                    </a:p>
-                  </a:txBody>
-                  <a:tcPr/>
-                </a:tc>
-                <a:tc>
-                  <a:txBody>
-                    <a:bodyPr/>
-                    <a:lstStyle/>
-                    <a:p>
-                      <a:r>
-                        <a:t>25.602771891644238</a:t>
+                        <a:t>Time spent in 10-20 km/h</a:t>
+                      </a:r>
+                    </a:p>
+                  </a:txBody>
+                  <a:tcPr/>
+                </a:tc>
+                <a:tc>
+                  <a:txBody>
+                    <a:bodyPr/>
+                    <a:lstStyle/>
+                    <a:p>
+                      <a:r>
+                        <a:t>7.4852528492068044</a:t>
                       </a:r>
                     </a:p>
                   </a:txBody>
@@ -4367,19 +4367,19 @@
                     <a:lstStyle/>
                     <a:p>
                       <a:r>
-                        <a:t>Time spent in 10-20 km/h</a:t>
-                      </a:r>
-                    </a:p>
-                  </a:txBody>
-                  <a:tcPr/>
-                </a:tc>
-                <a:tc>
-                  <a:txBody>
-                    <a:bodyPr/>
-                    <a:lstStyle/>
-                    <a:p>
-                      <a:r>
-                        <a:t>7.490979898058531</a:t>
+                        <a:t>Time spent in 20-30 km/h</a:t>
+                      </a:r>
+                    </a:p>
+                  </a:txBody>
+                  <a:tcPr/>
+                </a:tc>
+                <a:tc>
+                  <a:txBody>
+                    <a:bodyPr/>
+                    <a:lstStyle/>
+                    <a:p>
+                      <a:r>
+                        <a:t>11.448370654601684</a:t>
                       </a:r>
                     </a:p>
                   </a:txBody>
@@ -4393,19 +4393,19 @@
                     <a:lstStyle/>
                     <a:p>
                       <a:r>
-                        <a:t>Time spent in 20-30 km/h</a:t>
-                      </a:r>
-                    </a:p>
-                  </a:txBody>
-                  <a:tcPr/>
-                </a:tc>
-                <a:tc>
-                  <a:txBody>
-                    <a:bodyPr/>
-                    <a:lstStyle/>
-                    <a:p>
-                      <a:r>
-                        <a:t>11.459824752305137</a:t>
+                        <a:t>Time spent in 30-40 km/h</a:t>
+                      </a:r>
+                    </a:p>
+                  </a:txBody>
+                  <a:tcPr/>
+                </a:tc>
+                <a:tc>
+                  <a:txBody>
+                    <a:bodyPr/>
+                    <a:lstStyle/>
+                    <a:p>
+                      <a:r>
+                        <a:t>14.70706145123418</a:t>
                       </a:r>
                     </a:p>
                   </a:txBody>
@@ -4419,19 +4419,19 @@
                     <a:lstStyle/>
                     <a:p>
                       <a:r>
-                        <a:t>Time spent in 30-40 km/h</a:t>
-                      </a:r>
-                    </a:p>
-                  </a:txBody>
-                  <a:tcPr/>
-                </a:tc>
-                <a:tc>
-                  <a:txBody>
-                    <a:bodyPr/>
-                    <a:lstStyle/>
-                    <a:p>
-                      <a:r>
-                        <a:t>14.729969646641086</a:t>
+                        <a:t>Time spent in 40-50 km/h</a:t>
+                      </a:r>
+                    </a:p>
+                  </a:txBody>
+                  <a:tcPr/>
+                </a:tc>
+                <a:tc>
+                  <a:txBody>
+                    <a:bodyPr/>
+                    <a:lstStyle/>
+                    <a:p>
+                      <a:r>
+                        <a:t>20.273752935112537</a:t>
                       </a:r>
                     </a:p>
                   </a:txBody>
@@ -4536,19 +4536,19 @@
                     <a:lstStyle/>
                     <a:p>
                       <a:r>
-                        <a:t>Time spent in 40-50 km/h</a:t>
-                      </a:r>
-                    </a:p>
-                  </a:txBody>
-                  <a:tcPr/>
-                </a:tc>
-                <a:tc>
-                  <a:txBody>
-                    <a:bodyPr/>
-                    <a:lstStyle/>
-                    <a:p>
-                      <a:r>
-                        <a:t>20.29379760609358</a:t>
+                        <a:t>Time spent in 50-60 km/h</a:t>
+                      </a:r>
+                    </a:p>
+                  </a:txBody>
+                  <a:tcPr/>
+                </a:tc>
+                <a:tc>
+                  <a:txBody>
+                    <a:bodyPr/>
+                    <a:lstStyle/>
+                    <a:p>
+                      <a:r>
+                        <a:t>16.399404386919418</a:t>
                       </a:r>
                     </a:p>
                   </a:txBody>
@@ -4562,19 +4562,19 @@
                     <a:lstStyle/>
                     <a:p>
                       <a:r>
-                        <a:t>Time spent in 50-60 km/h</a:t>
-                      </a:r>
-                    </a:p>
-                  </a:txBody>
-                  <a:tcPr/>
-                </a:tc>
-                <a:tc>
-                  <a:txBody>
-                    <a:bodyPr/>
-                    <a:lstStyle/>
-                    <a:p>
-                      <a:r>
-                        <a:t>16.4165855334746</a:t>
+                        <a:t>Time spent in 60-70 km/h</a:t>
+                      </a:r>
+                    </a:p>
+                  </a:txBody>
+                  <a:tcPr/>
+                </a:tc>
+                <a:tc>
+                  <a:txBody>
+                    <a:bodyPr/>
+                    <a:lstStyle/>
+                    <a:p>
+                      <a:r>
+                        <a:t>2.8950231945478495</a:t>
                       </a:r>
                     </a:p>
                   </a:txBody>
@@ -4588,19 +4588,19 @@
                     <a:lstStyle/>
                     <a:p>
                       <a:r>
-                        <a:t>Time spent in 60-70 km/h</a:t>
-                      </a:r>
-                    </a:p>
-                  </a:txBody>
-                  <a:tcPr/>
-                </a:tc>
-                <a:tc>
-                  <a:txBody>
-                    <a:bodyPr/>
-                    <a:lstStyle/>
-                    <a:p>
-                      <a:r>
-                        <a:t>2.906477292251303</a:t>
+                        <a:t>Time spent in 70-80 km/h</a:t>
+                      </a:r>
+                    </a:p>
+                  </a:txBody>
+                  <a:tcPr/>
+                </a:tc>
+                <a:tc>
+                  <a:txBody>
+                    <a:bodyPr/>
+                    <a:lstStyle/>
+                    <a:p>
+                      <a:r>
+                        <a:t>0.0</a:t>
                       </a:r>
                     </a:p>
                   </a:txBody>
@@ -4612,15 +4612,23 @@
                   <a:txBody>
                     <a:bodyPr/>
                     <a:lstStyle/>
-                    <a:p/>
-                  </a:txBody>
-                  <a:tcPr/>
-                </a:tc>
-                <a:tc>
-                  <a:txBody>
-                    <a:bodyPr/>
-                    <a:lstStyle/>
-                    <a:p/>
+                    <a:p>
+                      <a:r>
+                        <a:t>Time spent in 80-90 km/h</a:t>
+                      </a:r>
+                    </a:p>
+                  </a:txBody>
+                  <a:tcPr/>
+                </a:tc>
+                <a:tc>
+                  <a:txBody>
+                    <a:bodyPr/>
+                    <a:lstStyle/>
+                    <a:p>
+                      <a:r>
+                        <a:t>0.0</a:t>
+                      </a:r>
+                    </a:p>
                   </a:txBody>
                   <a:tcPr/>
                 </a:tc>

--- a/Automationdashboard/MAIN_FOLDER/Automation_Dashboard_Batterywise/V2/D12_03_2024/B4_B02_16.59_18.03/analysis_B4_B02_16.59_18.03.pptx
+++ b/Automationdashboard/MAIN_FOLDER/Automation_Dashboard_Batterywise/V2/D12_03_2024/B4_B02_16.59_18.03/analysis_B4_B02_16.59_18.03.pptx
@@ -3234,6 +3234,32 @@
                     <a:lstStyle/>
                     <a:p>
                       <a:r>
+                        <a:t>Date and Time</a:t>
+                      </a:r>
+                    </a:p>
+                  </a:txBody>
+                  <a:tcPr/>
+                </a:tc>
+                <a:tc>
+                  <a:txBody>
+                    <a:bodyPr/>
+                    <a:lstStyle/>
+                    <a:p>
+                      <a:r>
+                        <a:t>2024-03-12 16:59:29.259000 to 2024-03-12 18:03:22.519000</a:t>
+                      </a:r>
+                    </a:p>
+                  </a:txBody>
+                  <a:tcPr/>
+                </a:tc>
+              </a:tr>
+              <a:tr h="326571">
+                <a:tc>
+                  <a:txBody>
+                    <a:bodyPr/>
+                    <a:lstStyle/>
+                    <a:p>
+                      <a:r>
                         <a:t>Total time taken for the ride</a:t>
                       </a:r>
                     </a:p>
@@ -3376,6 +3402,32 @@
                     <a:lstStyle/>
                     <a:p>
                       <a:r>
+                        <a:t>99.0</a:t>
+                      </a:r>
+                    </a:p>
+                  </a:txBody>
+                  <a:tcPr/>
+                </a:tc>
+              </a:tr>
+              <a:tr h="326571">
+                <a:tc>
+                  <a:txBody>
+                    <a:bodyPr/>
+                    <a:lstStyle/>
+                    <a:p>
+                      <a:r>
+                        <a:t>Ending SoC (%)</a:t>
+                      </a:r>
+                    </a:p>
+                  </a:txBody>
+                  <a:tcPr/>
+                </a:tc>
+                <a:tc>
+                  <a:txBody>
+                    <a:bodyPr/>
+                    <a:lstStyle/>
+                    <a:p>
+                      <a:r>
                         <a:t>31.0</a:t>
                       </a:r>
                     </a:p>
@@ -3390,19 +3442,19 @@
                     <a:lstStyle/>
                     <a:p>
                       <a:r>
-                        <a:t>Ending SoC (%)</a:t>
-                      </a:r>
-                    </a:p>
-                  </a:txBody>
-                  <a:tcPr/>
-                </a:tc>
-                <a:tc>
-                  <a:txBody>
-                    <a:bodyPr/>
-                    <a:lstStyle/>
-                    <a:p>
-                      <a:r>
-                        <a:t>99.0</a:t>
+                        <a:t>Total distance covered (km)</a:t>
+                      </a:r>
+                    </a:p>
+                  </a:txBody>
+                  <a:tcPr/>
+                </a:tc>
+                <a:tc>
+                  <a:txBody>
+                    <a:bodyPr/>
+                    <a:lstStyle/>
+                    <a:p>
+                      <a:r>
+                        <a:t>30.988486215027667</a:t>
                       </a:r>
                     </a:p>
                   </a:txBody>
@@ -3416,19 +3468,19 @@
                     <a:lstStyle/>
                     <a:p>
                       <a:r>
-                        <a:t>Total distance covered (in kilometers)</a:t>
-                      </a:r>
-                    </a:p>
-                  </a:txBody>
-                  <a:tcPr/>
-                </a:tc>
-                <a:tc>
-                  <a:txBody>
-                    <a:bodyPr/>
-                    <a:lstStyle/>
-                    <a:p>
-                      <a:r>
-                        <a:t>30.988486215027667</a:t>
+                        <a:t>Total energy consumption(WH/KM)</a:t>
+                      </a:r>
+                    </a:p>
+                  </a:txBody>
+                  <a:tcPr/>
+                </a:tc>
+                <a:tc>
+                  <a:txBody>
+                    <a:bodyPr/>
+                    <a:lstStyle/>
+                    <a:p>
+                      <a:r>
+                        <a:t>45.283573151662814</a:t>
                       </a:r>
                     </a:p>
                   </a:txBody>
@@ -3442,19 +3494,19 @@
                     <a:lstStyle/>
                     <a:p>
                       <a:r>
-                        <a:t>WH/KM</a:t>
-                      </a:r>
-                    </a:p>
-                  </a:txBody>
-                  <a:tcPr/>
-                </a:tc>
-                <a:tc>
-                  <a:txBody>
-                    <a:bodyPr/>
-                    <a:lstStyle/>
-                    <a:p>
-                      <a:r>
-                        <a:t>45.283573151662814</a:t>
+                        <a:t>Total SOC consumed(%)</a:t>
+                      </a:r>
+                    </a:p>
+                  </a:txBody>
+                  <a:tcPr/>
+                </a:tc>
+                <a:tc>
+                  <a:txBody>
+                    <a:bodyPr/>
+                    <a:lstStyle/>
+                    <a:p>
+                      <a:r>
+                        <a:t>68.0</a:t>
                       </a:r>
                     </a:p>
                   </a:txBody>
@@ -3468,32 +3520,6 @@
                     <a:lstStyle/>
                     <a:p>
                       <a:r>
-                        <a:t>Total SOC consumed</a:t>
-                      </a:r>
-                    </a:p>
-                  </a:txBody>
-                  <a:tcPr/>
-                </a:tc>
-                <a:tc>
-                  <a:txBody>
-                    <a:bodyPr/>
-                    <a:lstStyle/>
-                    <a:p>
-                      <a:r>
-                        <a:t>68.0</a:t>
-                      </a:r>
-                    </a:p>
-                  </a:txBody>
-                  <a:tcPr/>
-                </a:tc>
-              </a:tr>
-              <a:tr h="326571">
-                <a:tc>
-                  <a:txBody>
-                    <a:bodyPr/>
-                    <a:lstStyle/>
-                    <a:p>
-                      <a:r>
                         <a:t>Mode</a:t>
                       </a:r>
                     </a:p>
@@ -3528,14 +3554,14 @@
                   <a:tcPr/>
                 </a:tc>
               </a:tr>
-              <a:tr h="326571">
-                <a:tc>
-                  <a:txBody>
-                    <a:bodyPr/>
-                    <a:lstStyle/>
-                    <a:p>
-                      <a:r>
-                        <a:t>Peak Power</a:t>
+              <a:tr h="326577">
+                <a:tc>
+                  <a:txBody>
+                    <a:bodyPr/>
+                    <a:lstStyle/>
+                    <a:p>
+                      <a:r>
+                        <a:t>Peak Power(kW)</a:t>
                       </a:r>
                     </a:p>
                   </a:txBody>
@@ -3548,32 +3574,6 @@
                     <a:p>
                       <a:r>
                         <a:t>4861.082784</a:t>
-                      </a:r>
-                    </a:p>
-                  </a:txBody>
-                  <a:tcPr/>
-                </a:tc>
-              </a:tr>
-              <a:tr h="326577">
-                <a:tc>
-                  <a:txBody>
-                    <a:bodyPr/>
-                    <a:lstStyle/>
-                    <a:p>
-                      <a:r>
-                        <a:t>Average Power</a:t>
-                      </a:r>
-                    </a:p>
-                  </a:txBody>
-                  <a:tcPr/>
-                </a:tc>
-                <a:tc>
-                  <a:txBody>
-                    <a:bodyPr/>
-                    <a:lstStyle/>
-                    <a:p>
-                      <a:r>
-                        <a:t>-1326.6202144325105</a:t>
                       </a:r>
                     </a:p>
                   </a:txBody>
@@ -3678,7 +3678,33 @@
                     <a:lstStyle/>
                     <a:p>
                       <a:r>
-                        <a:t>Total Energy Regenerated</a:t>
+                        <a:t>Average Power(kW)</a:t>
+                      </a:r>
+                    </a:p>
+                  </a:txBody>
+                  <a:tcPr/>
+                </a:tc>
+                <a:tc>
+                  <a:txBody>
+                    <a:bodyPr/>
+                    <a:lstStyle/>
+                    <a:p>
+                      <a:r>
+                        <a:t>-1326.6202144325105</a:t>
+                      </a:r>
+                    </a:p>
+                  </a:txBody>
+                  <a:tcPr/>
+                </a:tc>
+              </a:tr>
+              <a:tr h="326571">
+                <a:tc>
+                  <a:txBody>
+                    <a:bodyPr/>
+                    <a:lstStyle/>
+                    <a:p>
+                      <a:r>
+                        <a:t>Total Energy Regenerated(kWh)</a:t>
                       </a:r>
                     </a:p>
                   </a:txBody>
@@ -3704,19 +3730,19 @@
                     <a:lstStyle/>
                     <a:p>
                       <a:r>
-                        <a:t>Regenerative Effectiveness</a:t>
-                      </a:r>
-                    </a:p>
-                  </a:txBody>
-                  <a:tcPr/>
-                </a:tc>
-                <a:tc>
-                  <a:txBody>
-                    <a:bodyPr/>
-                    <a:lstStyle/>
-                    <a:p>
-                      <a:r>
-                        <a:t>-0.0007617329881871818</a:t>
+                        <a:t>Regenerative Effectiveness(%)</a:t>
+                      </a:r>
+                    </a:p>
+                  </a:txBody>
+                  <a:tcPr/>
+                </a:tc>
+                <a:tc>
+                  <a:txBody>
+                    <a:bodyPr/>
+                    <a:lstStyle/>
+                    <a:p>
+                      <a:r>
+                        <a:t>0.0007617329881871818</a:t>
                       </a:r>
                     </a:p>
                   </a:txBody>
@@ -3730,7 +3756,33 @@
                     <a:lstStyle/>
                     <a:p>
                       <a:r>
-                        <a:t>Lowest Cell Voltage</a:t>
+                        <a:t>Highest Cell Voltage(V)</a:t>
+                      </a:r>
+                    </a:p>
+                  </a:txBody>
+                  <a:tcPr/>
+                </a:tc>
+                <a:tc>
+                  <a:txBody>
+                    <a:bodyPr/>
+                    <a:lstStyle/>
+                    <a:p>
+                      <a:r>
+                        <a:t>3.436</a:t>
+                      </a:r>
+                    </a:p>
+                  </a:txBody>
+                  <a:tcPr/>
+                </a:tc>
+              </a:tr>
+              <a:tr h="326571">
+                <a:tc>
+                  <a:txBody>
+                    <a:bodyPr/>
+                    <a:lstStyle/>
+                    <a:p>
+                      <a:r>
+                        <a:t>Lowest Cell Voltage(V)</a:t>
                       </a:r>
                     </a:p>
                   </a:txBody>
@@ -3756,19 +3808,19 @@
                     <a:lstStyle/>
                     <a:p>
                       <a:r>
-                        <a:t>Highest Cell Voltage</a:t>
-                      </a:r>
-                    </a:p>
-                  </a:txBody>
-                  <a:tcPr/>
-                </a:tc>
-                <a:tc>
-                  <a:txBody>
-                    <a:bodyPr/>
-                    <a:lstStyle/>
-                    <a:p>
-                      <a:r>
-                        <a:t>3.436</a:t>
+                        <a:t>Difference in Cell Voltage(V)</a:t>
+                      </a:r>
+                    </a:p>
+                  </a:txBody>
+                  <a:tcPr/>
+                </a:tc>
+                <a:tc>
+                  <a:txBody>
+                    <a:bodyPr/>
+                    <a:lstStyle/>
+                    <a:p>
+                      <a:r>
+                        <a:t>0.34099999999999975</a:t>
                       </a:r>
                     </a:p>
                   </a:txBody>
@@ -3782,19 +3834,19 @@
                     <a:lstStyle/>
                     <a:p>
                       <a:r>
-                        <a:t>Difference in Cell Voltage</a:t>
-                      </a:r>
-                    </a:p>
-                  </a:txBody>
-                  <a:tcPr/>
-                </a:tc>
-                <a:tc>
-                  <a:txBody>
-                    <a:bodyPr/>
-                    <a:lstStyle/>
-                    <a:p>
-                      <a:r>
-                        <a:t>0.34099999999999975</a:t>
+                        <a:t>Minimum Temperature(C)</a:t>
+                      </a:r>
+                    </a:p>
+                  </a:txBody>
+                  <a:tcPr/>
+                </a:tc>
+                <a:tc>
+                  <a:txBody>
+                    <a:bodyPr/>
+                    <a:lstStyle/>
+                    <a:p>
+                      <a:r>
+                        <a:t>38.0</a:t>
                       </a:r>
                     </a:p>
                   </a:txBody>
@@ -3808,19 +3860,19 @@
                     <a:lstStyle/>
                     <a:p>
                       <a:r>
-                        <a:t>Minimum Temperature</a:t>
-                      </a:r>
-                    </a:p>
-                  </a:txBody>
-                  <a:tcPr/>
-                </a:tc>
-                <a:tc>
-                  <a:txBody>
-                    <a:bodyPr/>
-                    <a:lstStyle/>
-                    <a:p>
-                      <a:r>
-                        <a:t>38.0</a:t>
+                        <a:t>Maximum Temperature(C)</a:t>
+                      </a:r>
+                    </a:p>
+                  </a:txBody>
+                  <a:tcPr/>
+                </a:tc>
+                <a:tc>
+                  <a:txBody>
+                    <a:bodyPr/>
+                    <a:lstStyle/>
+                    <a:p>
+                      <a:r>
+                        <a:t>44.0</a:t>
                       </a:r>
                     </a:p>
                   </a:txBody>
@@ -3834,19 +3886,19 @@
                     <a:lstStyle/>
                     <a:p>
                       <a:r>
-                        <a:t>Maximum Temperature</a:t>
-                      </a:r>
-                    </a:p>
-                  </a:txBody>
-                  <a:tcPr/>
-                </a:tc>
-                <a:tc>
-                  <a:txBody>
-                    <a:bodyPr/>
-                    <a:lstStyle/>
-                    <a:p>
-                      <a:r>
-                        <a:t>44.0</a:t>
+                        <a:t>Difference in Temperature(C)</a:t>
+                      </a:r>
+                    </a:p>
+                  </a:txBody>
+                  <a:tcPr/>
+                </a:tc>
+                <a:tc>
+                  <a:txBody>
+                    <a:bodyPr/>
+                    <a:lstStyle/>
+                    <a:p>
+                      <a:r>
+                        <a:t>6.0</a:t>
                       </a:r>
                     </a:p>
                   </a:txBody>
@@ -3860,19 +3912,19 @@
                     <a:lstStyle/>
                     <a:p>
                       <a:r>
-                        <a:t>Difference in Temperature</a:t>
-                      </a:r>
-                    </a:p>
-                  </a:txBody>
-                  <a:tcPr/>
-                </a:tc>
-                <a:tc>
-                  <a:txBody>
-                    <a:bodyPr/>
-                    <a:lstStyle/>
-                    <a:p>
-                      <a:r>
-                        <a:t>nan</a:t>
+                        <a:t>Maximum Fet Temperature-BMS(C)</a:t>
+                      </a:r>
+                    </a:p>
+                  </a:txBody>
+                  <a:tcPr/>
+                </a:tc>
+                <a:tc>
+                  <a:txBody>
+                    <a:bodyPr/>
+                    <a:lstStyle/>
+                    <a:p>
+                      <a:r>
+                        <a:t>58.0</a:t>
                       </a:r>
                     </a:p>
                   </a:txBody>
@@ -3886,19 +3938,19 @@
                     <a:lstStyle/>
                     <a:p>
                       <a:r>
-                        <a:t>Maximum Fet Temperature</a:t>
-                      </a:r>
-                    </a:p>
-                  </a:txBody>
-                  <a:tcPr/>
-                </a:tc>
-                <a:tc>
-                  <a:txBody>
-                    <a:bodyPr/>
-                    <a:lstStyle/>
-                    <a:p>
-                      <a:r>
-                        <a:t>58.0</a:t>
+                        <a:t>Maximum Afe Temperature-BMS(C)</a:t>
+                      </a:r>
+                    </a:p>
+                  </a:txBody>
+                  <a:tcPr/>
+                </a:tc>
+                <a:tc>
+                  <a:txBody>
+                    <a:bodyPr/>
+                    <a:lstStyle/>
+                    <a:p>
+                      <a:r>
+                        <a:t>59.0</a:t>
                       </a:r>
                     </a:p>
                   </a:txBody>
@@ -3912,33 +3964,7 @@
                     <a:lstStyle/>
                     <a:p>
                       <a:r>
-                        <a:t>Maximum Afe Temperature</a:t>
-                      </a:r>
-                    </a:p>
-                  </a:txBody>
-                  <a:tcPr/>
-                </a:tc>
-                <a:tc>
-                  <a:txBody>
-                    <a:bodyPr/>
-                    <a:lstStyle/>
-                    <a:p>
-                      <a:r>
-                        <a:t>59.0</a:t>
-                      </a:r>
-                    </a:p>
-                  </a:txBody>
-                  <a:tcPr/>
-                </a:tc>
-              </a:tr>
-              <a:tr h="326571">
-                <a:tc>
-                  <a:txBody>
-                    <a:bodyPr/>
-                    <a:lstStyle/>
-                    <a:p>
-                      <a:r>
-                        <a:t>Maximum PCB Temperature</a:t>
+                        <a:t>Maximum PCB Temperature-BMS(C)</a:t>
                       </a:r>
                     </a:p>
                   </a:txBody>
@@ -3957,14 +3983,14 @@
                   <a:tcPr/>
                 </a:tc>
               </a:tr>
-              <a:tr h="326571">
-                <a:tc>
-                  <a:txBody>
-                    <a:bodyPr/>
-                    <a:lstStyle/>
-                    <a:p>
-                      <a:r>
-                        <a:t>Maximum MCU Temperature</a:t>
+              <a:tr h="326577">
+                <a:tc>
+                  <a:txBody>
+                    <a:bodyPr/>
+                    <a:lstStyle/>
+                    <a:p>
+                      <a:r>
+                        <a:t>Maximum MCU Temperature(C)</a:t>
                       </a:r>
                     </a:p>
                   </a:txBody>
@@ -3977,32 +4003,6 @@
                     <a:p>
                       <a:r>
                         <a:t>54.0</a:t>
-                      </a:r>
-                    </a:p>
-                  </a:txBody>
-                  <a:tcPr/>
-                </a:tc>
-              </a:tr>
-              <a:tr h="326577">
-                <a:tc>
-                  <a:txBody>
-                    <a:bodyPr/>
-                    <a:lstStyle/>
-                    <a:p>
-                      <a:r>
-                        <a:t>Maximum Motor Temperature</a:t>
-                      </a:r>
-                    </a:p>
-                  </a:txBody>
-                  <a:tcPr/>
-                </a:tc>
-                <a:tc>
-                  <a:txBody>
-                    <a:bodyPr/>
-                    <a:lstStyle/>
-                    <a:p>
-                      <a:r>
-                        <a:t>94.0</a:t>
                       </a:r>
                     </a:p>
                   </a:txBody>
@@ -4107,7 +4107,33 @@
                     <a:lstStyle/>
                     <a:p>
                       <a:r>
-                        <a:t>Abnormal Motor Temperature Detected</a:t>
+                        <a:t>Maximum Motor Temperature(C)</a:t>
+                      </a:r>
+                    </a:p>
+                  </a:txBody>
+                  <a:tcPr/>
+                </a:tc>
+                <a:tc>
+                  <a:txBody>
+                    <a:bodyPr/>
+                    <a:lstStyle/>
+                    <a:p>
+                      <a:r>
+                        <a:t>94.0</a:t>
+                      </a:r>
+                    </a:p>
+                  </a:txBody>
+                  <a:tcPr/>
+                </a:tc>
+              </a:tr>
+              <a:tr h="326571">
+                <a:tc>
+                  <a:txBody>
+                    <a:bodyPr/>
+                    <a:lstStyle/>
+                    <a:p>
+                      <a:r>
+                        <a:t>Abnormal Motor Temperature Detected(C)</a:t>
                       </a:r>
                     </a:p>
                   </a:txBody>
@@ -4133,7 +4159,7 @@
                     <a:lstStyle/>
                     <a:p>
                       <a:r>
-                        <a:t>lowest cell temp</a:t>
+                        <a:t>highest cell temp(C)</a:t>
                       </a:r>
                     </a:p>
                   </a:txBody>
@@ -4159,7 +4185,7 @@
                     <a:lstStyle/>
                     <a:p>
                       <a:r>
-                        <a:t>highest cell temp</a:t>
+                        <a:t>lowest cell temp(C)</a:t>
                       </a:r>
                     </a:p>
                   </a:txBody>
@@ -4185,7 +4211,7 @@
                     <a:lstStyle/>
                     <a:p>
                       <a:r>
-                        <a:t>Difference between Highest and Lowest Cell Temperature at 100% SOC</a:t>
+                        <a:t>Difference between Highest and Lowest Cell Temperature at 100% SOC(C)</a:t>
                       </a:r>
                     </a:p>
                   </a:txBody>
@@ -4211,19 +4237,19 @@
                     <a:lstStyle/>
                     <a:p>
                       <a:r>
-                        <a:t>Maximum BMS Temperature in C</a:t>
-                      </a:r>
-                    </a:p>
-                  </a:txBody>
-                  <a:tcPr/>
-                </a:tc>
-                <a:tc>
-                  <a:txBody>
-                    <a:bodyPr/>
-                    <a:lstStyle/>
-                    <a:p>
-                      <a:r>
-                        <a:t>58.0</a:t>
+                        <a:t>Battery Voltage(V)</a:t>
+                      </a:r>
+                    </a:p>
+                  </a:txBody>
+                  <a:tcPr/>
+                </a:tc>
+                <a:tc>
+                  <a:txBody>
+                    <a:bodyPr/>
+                    <a:lstStyle/>
+                    <a:p>
+                      <a:r>
+                        <a:t>54.0</a:t>
                       </a:r>
                     </a:p>
                   </a:txBody>
@@ -4237,19 +4263,19 @@
                     <a:lstStyle/>
                     <a:p>
                       <a:r>
-                        <a:t>Battery Voltage</a:t>
-                      </a:r>
-                    </a:p>
-                  </a:txBody>
-                  <a:tcPr/>
-                </a:tc>
-                <a:tc>
-                  <a:txBody>
-                    <a:bodyPr/>
-                    <a:lstStyle/>
-                    <a:p>
-                      <a:r>
-                        <a:t>5.4</a:t>
+                        <a:t>Total energy charged(kWh)</a:t>
+                      </a:r>
+                    </a:p>
+                  </a:txBody>
+                  <a:tcPr/>
+                </a:tc>
+                <a:tc>
+                  <a:txBody>
+                    <a:bodyPr/>
+                    <a:lstStyle/>
+                    <a:p>
+                      <a:r>
+                        <a:t>1.47333471</a:t>
                       </a:r>
                     </a:p>
                   </a:txBody>
@@ -4263,19 +4289,19 @@
                     <a:lstStyle/>
                     <a:p>
                       <a:r>
-                        <a:t>Total energy charged in kWh</a:t>
-                      </a:r>
-                    </a:p>
-                  </a:txBody>
-                  <a:tcPr/>
-                </a:tc>
-                <a:tc>
-                  <a:txBody>
-                    <a:bodyPr/>
-                    <a:lstStyle/>
-                    <a:p>
-                      <a:r>
-                        <a:t>0.147333471</a:t>
+                        <a:t>Electricity consumption units(kW)</a:t>
+                      </a:r>
+                    </a:p>
+                  </a:txBody>
+                  <a:tcPr/>
+                </a:tc>
+                <a:tc>
+                  <a:txBody>
+                    <a:bodyPr/>
+                    <a:lstStyle/>
+                    <a:p>
+                      <a:r>
+                        <a:t>1.0699598474945533e-07</a:t>
                       </a:r>
                     </a:p>
                   </a:txBody>
@@ -4289,19 +4315,19 @@
                     <a:lstStyle/>
                     <a:p>
                       <a:r>
-                        <a:t>Electricity consumption units in kW</a:t>
-                      </a:r>
-                    </a:p>
-                  </a:txBody>
-                  <a:tcPr/>
-                </a:tc>
-                <a:tc>
-                  <a:txBody>
-                    <a:bodyPr/>
-                    <a:lstStyle/>
-                    <a:p>
-                      <a:r>
-                        <a:t>1.0699598474945532e-08</a:t>
+                        <a:t>Cycle Count of battery</a:t>
+                      </a:r>
+                    </a:p>
+                  </a:txBody>
+                  <a:tcPr/>
+                </a:tc>
+                <a:tc>
+                  <a:txBody>
+                    <a:bodyPr/>
+                    <a:lstStyle/>
+                    <a:p>
+                      <a:r>
+                        <a:t>46.0</a:t>
                       </a:r>
                     </a:p>
                   </a:txBody>
@@ -4327,7 +4353,7 @@
                     <a:lstStyle/>
                     <a:p>
                       <a:r>
-                        <a:t>1.4031269686730428</a:t>
+                        <a:t>2.50272034820457</a:t>
                       </a:r>
                     </a:p>
                   </a:txBody>
@@ -4353,7 +4379,7 @@
                     <a:lstStyle/>
                     <a:p>
                       <a:r>
-                        <a:t>25.602771891644238</a:t>
+                        <a:t>24.199644922971192</a:t>
                       </a:r>
                     </a:p>
                   </a:txBody>
@@ -4379,14 +4405,14 @@
                     <a:lstStyle/>
                     <a:p>
                       <a:r>
-                        <a:t>7.490979898058531</a:t>
-                      </a:r>
-                    </a:p>
-                  </a:txBody>
-                  <a:tcPr/>
-                </a:tc>
-              </a:tr>
-              <a:tr h="326571">
+                        <a:t>7.4852528492068044</a:t>
+                      </a:r>
+                    </a:p>
+                  </a:txBody>
+                  <a:tcPr/>
+                </a:tc>
+              </a:tr>
+              <a:tr h="326577">
                 <a:tc>
                   <a:txBody>
                     <a:bodyPr/>
@@ -4405,33 +4431,7 @@
                     <a:lstStyle/>
                     <a:p>
                       <a:r>
-                        <a:t>11.459824752305137</a:t>
-                      </a:r>
-                    </a:p>
-                  </a:txBody>
-                  <a:tcPr/>
-                </a:tc>
-              </a:tr>
-              <a:tr h="326577">
-                <a:tc>
-                  <a:txBody>
-                    <a:bodyPr/>
-                    <a:lstStyle/>
-                    <a:p>
-                      <a:r>
-                        <a:t>Time spent in 30-40 km/h</a:t>
-                      </a:r>
-                    </a:p>
-                  </a:txBody>
-                  <a:tcPr/>
-                </a:tc>
-                <a:tc>
-                  <a:txBody>
-                    <a:bodyPr/>
-                    <a:lstStyle/>
-                    <a:p>
-                      <a:r>
-                        <a:t>14.729969646641086</a:t>
+                        <a:t>11.448370654601684</a:t>
                       </a:r>
                     </a:p>
                   </a:txBody>
@@ -4536,6 +4536,32 @@
                     <a:lstStyle/>
                     <a:p>
                       <a:r>
+                        <a:t>Time spent in 30-40 km/h</a:t>
+                      </a:r>
+                    </a:p>
+                  </a:txBody>
+                  <a:tcPr/>
+                </a:tc>
+                <a:tc>
+                  <a:txBody>
+                    <a:bodyPr/>
+                    <a:lstStyle/>
+                    <a:p>
+                      <a:r>
+                        <a:t>14.70706145123418</a:t>
+                      </a:r>
+                    </a:p>
+                  </a:txBody>
+                  <a:tcPr/>
+                </a:tc>
+              </a:tr>
+              <a:tr h="326571">
+                <a:tc>
+                  <a:txBody>
+                    <a:bodyPr/>
+                    <a:lstStyle/>
+                    <a:p>
+                      <a:r>
                         <a:t>Time spent in 40-50 km/h</a:t>
                       </a:r>
                     </a:p>
@@ -4548,7 +4574,7 @@
                     <a:lstStyle/>
                     <a:p>
                       <a:r>
-                        <a:t>20.29379760609358</a:t>
+                        <a:t>20.273752935112537</a:t>
                       </a:r>
                     </a:p>
                   </a:txBody>
@@ -4574,7 +4600,7 @@
                     <a:lstStyle/>
                     <a:p>
                       <a:r>
-                        <a:t>16.4165855334746</a:t>
+                        <a:t>16.399404386919418</a:t>
                       </a:r>
                     </a:p>
                   </a:txBody>
@@ -4600,7 +4626,7 @@
                     <a:lstStyle/>
                     <a:p>
                       <a:r>
-                        <a:t>2.906477292251303</a:t>
+                        <a:t>2.8950231945478495</a:t>
                       </a:r>
                     </a:p>
                   </a:txBody>
@@ -4612,15 +4638,23 @@
                   <a:txBody>
                     <a:bodyPr/>
                     <a:lstStyle/>
-                    <a:p/>
-                  </a:txBody>
-                  <a:tcPr/>
-                </a:tc>
-                <a:tc>
-                  <a:txBody>
-                    <a:bodyPr/>
-                    <a:lstStyle/>
-                    <a:p/>
+                    <a:p>
+                      <a:r>
+                        <a:t>Time spent in 70-80 km/h</a:t>
+                      </a:r>
+                    </a:p>
+                  </a:txBody>
+                  <a:tcPr/>
+                </a:tc>
+                <a:tc>
+                  <a:txBody>
+                    <a:bodyPr/>
+                    <a:lstStyle/>
+                    <a:p>
+                      <a:r>
+                        <a:t>0.0</a:t>
+                      </a:r>
+                    </a:p>
                   </a:txBody>
                   <a:tcPr/>
                 </a:tc>
@@ -4630,33 +4664,23 @@
                   <a:txBody>
                     <a:bodyPr/>
                     <a:lstStyle/>
-                    <a:p/>
-                  </a:txBody>
-                  <a:tcPr/>
-                </a:tc>
-                <a:tc>
-                  <a:txBody>
-                    <a:bodyPr/>
-                    <a:lstStyle/>
-                    <a:p/>
-                  </a:txBody>
-                  <a:tcPr/>
-                </a:tc>
-              </a:tr>
-              <a:tr h="326571">
-                <a:tc>
-                  <a:txBody>
-                    <a:bodyPr/>
-                    <a:lstStyle/>
-                    <a:p/>
-                  </a:txBody>
-                  <a:tcPr/>
-                </a:tc>
-                <a:tc>
-                  <a:txBody>
-                    <a:bodyPr/>
-                    <a:lstStyle/>
-                    <a:p/>
+                    <a:p>
+                      <a:r>
+                        <a:t>Time spent in 80-90 km/h</a:t>
+                      </a:r>
+                    </a:p>
+                  </a:txBody>
+                  <a:tcPr/>
+                </a:tc>
+                <a:tc>
+                  <a:txBody>
+                    <a:bodyPr/>
+                    <a:lstStyle/>
+                    <a:p>
+                      <a:r>
+                        <a:t>0.0</a:t>
+                      </a:r>
+                    </a:p>
                   </a:txBody>
                   <a:tcPr/>
                 </a:tc>
